--- a/UmaTeachingMaterial/MongoDB-Intellipaat-StudyMaterial.pptx
+++ b/UmaTeachingMaterial/MongoDB-Intellipaat-StudyMaterial.pptx
@@ -4250,6 +4250,36 @@
           </a:prstGeom>
         </p:spPr>
       </p:pic>
+      <p:pic>
+        <p:nvPicPr>
+          <p:cNvPr id="4" name="Picture 3">
+            <a:extLst>
+              <a:ext uri="{FF2B5EF4-FFF2-40B4-BE49-F238E27FC236}">
+                <a16:creationId xmlns:a16="http://schemas.microsoft.com/office/drawing/2014/main" id="{173148F3-83AA-D115-BB43-547D2AEBEDC1}"/>
+              </a:ext>
+            </a:extLst>
+          </p:cNvPr>
+          <p:cNvPicPr>
+            <a:picLocks noChangeAspect="1"/>
+          </p:cNvPicPr>
+          <p:nvPr/>
+        </p:nvPicPr>
+        <p:blipFill>
+          <a:blip r:embed="rId9"/>
+          <a:stretch>
+            <a:fillRect/>
+          </a:stretch>
+        </p:blipFill>
+        <p:spPr>
+          <a:xfrm>
+            <a:off x="4434205" y="3929274"/>
+            <a:ext cx="4625741" cy="2240474"/>
+          </a:xfrm>
+          <a:prstGeom prst="rect">
+            <a:avLst/>
+          </a:prstGeom>
+        </p:spPr>
+      </p:pic>
     </p:spTree>
     <p:extLst>
       <p:ext uri="{BB962C8B-B14F-4D97-AF65-F5344CB8AC3E}">
@@ -4646,6 +4676,281 @@
           <a:chExt cx="0" cy="0"/>
         </a:xfrm>
       </p:grpSpPr>
+      <p:sp>
+        <p:nvSpPr>
+          <p:cNvPr id="2" name="TextBox 1">
+            <a:extLst>
+              <a:ext uri="{FF2B5EF4-FFF2-40B4-BE49-F238E27FC236}">
+                <a16:creationId xmlns:a16="http://schemas.microsoft.com/office/drawing/2014/main" id="{B016ABA6-45CA-2A78-566F-FC779893518F}"/>
+              </a:ext>
+            </a:extLst>
+          </p:cNvPr>
+          <p:cNvSpPr txBox="1"/>
+          <p:nvPr/>
+        </p:nvSpPr>
+        <p:spPr>
+          <a:xfrm>
+            <a:off x="625033" y="254643"/>
+            <a:ext cx="1103187" cy="369332"/>
+          </a:xfrm>
+          <a:prstGeom prst="rect">
+            <a:avLst/>
+          </a:prstGeom>
+          <a:noFill/>
+        </p:spPr>
+        <p:txBody>
+          <a:bodyPr wrap="none" rtlCol="0">
+            <a:spAutoFit/>
+          </a:bodyPr>
+          <a:lstStyle/>
+          <a:p>
+            <a:r>
+              <a:rPr lang="en-US" dirty="0"/>
+              <a:t>Module 3</a:t>
+            </a:r>
+          </a:p>
+        </p:txBody>
+      </p:sp>
+      <p:pic>
+        <p:nvPicPr>
+          <p:cNvPr id="4" name="Picture 3">
+            <a:extLst>
+              <a:ext uri="{FF2B5EF4-FFF2-40B4-BE49-F238E27FC236}">
+                <a16:creationId xmlns:a16="http://schemas.microsoft.com/office/drawing/2014/main" id="{215936AC-CADA-165B-7075-B3B47F52B476}"/>
+              </a:ext>
+            </a:extLst>
+          </p:cNvPr>
+          <p:cNvPicPr>
+            <a:picLocks noChangeAspect="1"/>
+          </p:cNvPicPr>
+          <p:nvPr/>
+        </p:nvPicPr>
+        <p:blipFill>
+          <a:blip r:embed="rId2"/>
+          <a:stretch>
+            <a:fillRect/>
+          </a:stretch>
+        </p:blipFill>
+        <p:spPr>
+          <a:xfrm>
+            <a:off x="0" y="623975"/>
+            <a:ext cx="5799323" cy="1082134"/>
+          </a:xfrm>
+          <a:prstGeom prst="rect">
+            <a:avLst/>
+          </a:prstGeom>
+        </p:spPr>
+      </p:pic>
+      <p:pic>
+        <p:nvPicPr>
+          <p:cNvPr id="6" name="Picture 5">
+            <a:extLst>
+              <a:ext uri="{FF2B5EF4-FFF2-40B4-BE49-F238E27FC236}">
+                <a16:creationId xmlns:a16="http://schemas.microsoft.com/office/drawing/2014/main" id="{2DF01AD5-D558-46AB-1BEB-B0AE7B2E8678}"/>
+              </a:ext>
+            </a:extLst>
+          </p:cNvPr>
+          <p:cNvPicPr>
+            <a:picLocks noChangeAspect="1"/>
+          </p:cNvPicPr>
+          <p:nvPr/>
+        </p:nvPicPr>
+        <p:blipFill>
+          <a:blip r:embed="rId3"/>
+          <a:stretch>
+            <a:fillRect/>
+          </a:stretch>
+        </p:blipFill>
+        <p:spPr>
+          <a:xfrm>
+            <a:off x="138155" y="1724890"/>
+            <a:ext cx="2888230" cy="701101"/>
+          </a:xfrm>
+          <a:prstGeom prst="rect">
+            <a:avLst/>
+          </a:prstGeom>
+        </p:spPr>
+      </p:pic>
+      <p:pic>
+        <p:nvPicPr>
+          <p:cNvPr id="8" name="Picture 7">
+            <a:extLst>
+              <a:ext uri="{FF2B5EF4-FFF2-40B4-BE49-F238E27FC236}">
+                <a16:creationId xmlns:a16="http://schemas.microsoft.com/office/drawing/2014/main" id="{DE3FD59F-DF54-B923-C210-E2065C63162E}"/>
+              </a:ext>
+            </a:extLst>
+          </p:cNvPr>
+          <p:cNvPicPr>
+            <a:picLocks noChangeAspect="1"/>
+          </p:cNvPicPr>
+          <p:nvPr/>
+        </p:nvPicPr>
+        <p:blipFill>
+          <a:blip r:embed="rId4"/>
+          <a:stretch>
+            <a:fillRect/>
+          </a:stretch>
+        </p:blipFill>
+        <p:spPr>
+          <a:xfrm>
+            <a:off x="138155" y="2586526"/>
+            <a:ext cx="5227773" cy="358171"/>
+          </a:xfrm>
+          <a:prstGeom prst="rect">
+            <a:avLst/>
+          </a:prstGeom>
+        </p:spPr>
+      </p:pic>
+      <p:pic>
+        <p:nvPicPr>
+          <p:cNvPr id="10" name="Picture 9">
+            <a:extLst>
+              <a:ext uri="{FF2B5EF4-FFF2-40B4-BE49-F238E27FC236}">
+                <a16:creationId xmlns:a16="http://schemas.microsoft.com/office/drawing/2014/main" id="{544E902F-E511-C1C6-3134-9ACB16E5A018}"/>
+              </a:ext>
+            </a:extLst>
+          </p:cNvPr>
+          <p:cNvPicPr>
+            <a:picLocks noChangeAspect="1"/>
+          </p:cNvPicPr>
+          <p:nvPr/>
+        </p:nvPicPr>
+        <p:blipFill>
+          <a:blip r:embed="rId5"/>
+          <a:stretch>
+            <a:fillRect/>
+          </a:stretch>
+        </p:blipFill>
+        <p:spPr>
+          <a:xfrm>
+            <a:off x="241034" y="3105232"/>
+            <a:ext cx="1341236" cy="1234547"/>
+          </a:xfrm>
+          <a:prstGeom prst="rect">
+            <a:avLst/>
+          </a:prstGeom>
+        </p:spPr>
+      </p:pic>
+      <p:pic>
+        <p:nvPicPr>
+          <p:cNvPr id="12" name="Picture 11">
+            <a:extLst>
+              <a:ext uri="{FF2B5EF4-FFF2-40B4-BE49-F238E27FC236}">
+                <a16:creationId xmlns:a16="http://schemas.microsoft.com/office/drawing/2014/main" id="{6F98B294-1941-F1B4-4FBA-7E61E565501B}"/>
+              </a:ext>
+            </a:extLst>
+          </p:cNvPr>
+          <p:cNvPicPr>
+            <a:picLocks noChangeAspect="1"/>
+          </p:cNvPicPr>
+          <p:nvPr/>
+        </p:nvPicPr>
+        <p:blipFill>
+          <a:blip r:embed="rId6"/>
+          <a:stretch>
+            <a:fillRect/>
+          </a:stretch>
+        </p:blipFill>
+        <p:spPr>
+          <a:xfrm>
+            <a:off x="1728220" y="2993961"/>
+            <a:ext cx="3764606" cy="312447"/>
+          </a:xfrm>
+          <a:prstGeom prst="rect">
+            <a:avLst/>
+          </a:prstGeom>
+        </p:spPr>
+      </p:pic>
+      <p:pic>
+        <p:nvPicPr>
+          <p:cNvPr id="14" name="Picture 13">
+            <a:extLst>
+              <a:ext uri="{FF2B5EF4-FFF2-40B4-BE49-F238E27FC236}">
+                <a16:creationId xmlns:a16="http://schemas.microsoft.com/office/drawing/2014/main" id="{7A0DC7DE-1E17-E81B-D3D8-5CA35A00613C}"/>
+              </a:ext>
+            </a:extLst>
+          </p:cNvPr>
+          <p:cNvPicPr>
+            <a:picLocks noChangeAspect="1"/>
+          </p:cNvPicPr>
+          <p:nvPr/>
+        </p:nvPicPr>
+        <p:blipFill>
+          <a:blip r:embed="rId7"/>
+          <a:stretch>
+            <a:fillRect/>
+          </a:stretch>
+        </p:blipFill>
+        <p:spPr>
+          <a:xfrm>
+            <a:off x="1803269" y="3400537"/>
+            <a:ext cx="2446232" cy="685859"/>
+          </a:xfrm>
+          <a:prstGeom prst="rect">
+            <a:avLst/>
+          </a:prstGeom>
+        </p:spPr>
+      </p:pic>
+      <p:pic>
+        <p:nvPicPr>
+          <p:cNvPr id="16" name="Picture 15">
+            <a:extLst>
+              <a:ext uri="{FF2B5EF4-FFF2-40B4-BE49-F238E27FC236}">
+                <a16:creationId xmlns:a16="http://schemas.microsoft.com/office/drawing/2014/main" id="{CF8185E3-6A7F-A6C2-E8A1-90CFE87E5CC2}"/>
+              </a:ext>
+            </a:extLst>
+          </p:cNvPr>
+          <p:cNvPicPr>
+            <a:picLocks noChangeAspect="1"/>
+          </p:cNvPicPr>
+          <p:nvPr/>
+        </p:nvPicPr>
+        <p:blipFill>
+          <a:blip r:embed="rId8"/>
+          <a:stretch>
+            <a:fillRect/>
+          </a:stretch>
+        </p:blipFill>
+        <p:spPr>
+          <a:xfrm>
+            <a:off x="1728220" y="4116204"/>
+            <a:ext cx="3764606" cy="373412"/>
+          </a:xfrm>
+          <a:prstGeom prst="rect">
+            <a:avLst/>
+          </a:prstGeom>
+        </p:spPr>
+      </p:pic>
+      <p:pic>
+        <p:nvPicPr>
+          <p:cNvPr id="18" name="Picture 17">
+            <a:extLst>
+              <a:ext uri="{FF2B5EF4-FFF2-40B4-BE49-F238E27FC236}">
+                <a16:creationId xmlns:a16="http://schemas.microsoft.com/office/drawing/2014/main" id="{D9FFB32F-B7E6-23E0-FF6B-A2E3FF0301C1}"/>
+              </a:ext>
+            </a:extLst>
+          </p:cNvPr>
+          <p:cNvPicPr>
+            <a:picLocks noChangeAspect="1"/>
+          </p:cNvPicPr>
+          <p:nvPr/>
+        </p:nvPicPr>
+        <p:blipFill>
+          <a:blip r:embed="rId9"/>
+          <a:stretch>
+            <a:fillRect/>
+          </a:stretch>
+        </p:blipFill>
+        <p:spPr>
+          <a:xfrm>
+            <a:off x="1803269" y="4549232"/>
+            <a:ext cx="1615580" cy="1745131"/>
+          </a:xfrm>
+          <a:prstGeom prst="rect">
+            <a:avLst/>
+          </a:prstGeom>
+        </p:spPr>
+      </p:pic>
     </p:spTree>
     <p:extLst>
       <p:ext uri="{BB962C8B-B14F-4D97-AF65-F5344CB8AC3E}">
@@ -5042,6 +5347,150 @@
           <a:chExt cx="0" cy="0"/>
         </a:xfrm>
       </p:grpSpPr>
+      <p:sp>
+        <p:nvSpPr>
+          <p:cNvPr id="2" name="TextBox 1">
+            <a:extLst>
+              <a:ext uri="{FF2B5EF4-FFF2-40B4-BE49-F238E27FC236}">
+                <a16:creationId xmlns:a16="http://schemas.microsoft.com/office/drawing/2014/main" id="{D2210CFF-F09A-EAE3-2744-38D2CF22142A}"/>
+              </a:ext>
+            </a:extLst>
+          </p:cNvPr>
+          <p:cNvSpPr txBox="1"/>
+          <p:nvPr/>
+        </p:nvSpPr>
+        <p:spPr>
+          <a:xfrm>
+            <a:off x="430305" y="322729"/>
+            <a:ext cx="1806007" cy="369332"/>
+          </a:xfrm>
+          <a:prstGeom prst="rect">
+            <a:avLst/>
+          </a:prstGeom>
+          <a:noFill/>
+        </p:spPr>
+        <p:txBody>
+          <a:bodyPr wrap="none" rtlCol="0">
+            <a:spAutoFit/>
+          </a:bodyPr>
+          <a:lstStyle/>
+          <a:p>
+            <a:r>
+              <a:rPr lang="en-US" dirty="0"/>
+              <a:t>Types of indexes</a:t>
+            </a:r>
+          </a:p>
+        </p:txBody>
+      </p:sp>
+      <p:sp>
+        <p:nvSpPr>
+          <p:cNvPr id="3" name="Rectangle: Rounded Corners 2">
+            <a:extLst>
+              <a:ext uri="{FF2B5EF4-FFF2-40B4-BE49-F238E27FC236}">
+                <a16:creationId xmlns:a16="http://schemas.microsoft.com/office/drawing/2014/main" id="{668E8C9B-2C5F-8E6F-46CC-E8747A4B0281}"/>
+              </a:ext>
+            </a:extLst>
+          </p:cNvPr>
+          <p:cNvSpPr/>
+          <p:nvPr/>
+        </p:nvSpPr>
+        <p:spPr>
+          <a:xfrm>
+            <a:off x="430304" y="932329"/>
+            <a:ext cx="3263155" cy="2496672"/>
+          </a:xfrm>
+          <a:prstGeom prst="roundRect">
+            <a:avLst/>
+          </a:prstGeom>
+        </p:spPr>
+        <p:style>
+          <a:lnRef idx="2">
+            <a:schemeClr val="accent1">
+              <a:shade val="15000"/>
+            </a:schemeClr>
+          </a:lnRef>
+          <a:fillRef idx="1">
+            <a:schemeClr val="accent1"/>
+          </a:fillRef>
+          <a:effectRef idx="0">
+            <a:schemeClr val="accent1"/>
+          </a:effectRef>
+          <a:fontRef idx="minor">
+            <a:schemeClr val="lt1"/>
+          </a:fontRef>
+        </p:style>
+        <p:txBody>
+          <a:bodyPr rtlCol="0" anchor="ctr"/>
+          <a:lstStyle/>
+          <a:p>
+            <a:pPr marL="342900" indent="-342900">
+              <a:buFont typeface="+mj-lt"/>
+              <a:buAutoNum type="arabicPeriod"/>
+            </a:pPr>
+            <a:r>
+              <a:rPr lang="en-US" b="1" dirty="0"/>
+              <a:t>Single field Indexes</a:t>
+            </a:r>
+          </a:p>
+          <a:p>
+            <a:pPr marL="342900" indent="-342900">
+              <a:buFont typeface="+mj-lt"/>
+              <a:buAutoNum type="arabicPeriod"/>
+            </a:pPr>
+            <a:r>
+              <a:rPr lang="en-US" b="1" dirty="0"/>
+              <a:t>Compound Indexes</a:t>
+            </a:r>
+          </a:p>
+          <a:p>
+            <a:pPr marL="342900" indent="-342900">
+              <a:buFont typeface="+mj-lt"/>
+              <a:buAutoNum type="arabicPeriod"/>
+            </a:pPr>
+            <a:r>
+              <a:rPr lang="en-US" b="1" dirty="0"/>
+              <a:t>Multi key indexes</a:t>
+            </a:r>
+          </a:p>
+          <a:p>
+            <a:pPr marL="342900" indent="-342900">
+              <a:buFont typeface="+mj-lt"/>
+              <a:buAutoNum type="arabicPeriod"/>
+            </a:pPr>
+            <a:r>
+              <a:rPr lang="en-US" b="1" dirty="0"/>
+              <a:t>Geospatial Indexes</a:t>
+            </a:r>
+          </a:p>
+          <a:p>
+            <a:pPr marL="342900" indent="-342900">
+              <a:buFont typeface="+mj-lt"/>
+              <a:buAutoNum type="arabicPeriod"/>
+            </a:pPr>
+            <a:r>
+              <a:rPr lang="en-US" b="1" dirty="0"/>
+              <a:t>Text Indexes</a:t>
+            </a:r>
+          </a:p>
+          <a:p>
+            <a:pPr marL="342900" indent="-342900">
+              <a:buFont typeface="+mj-lt"/>
+              <a:buAutoNum type="arabicPeriod"/>
+            </a:pPr>
+            <a:r>
+              <a:rPr lang="en-US" b="1" dirty="0"/>
+              <a:t>Hashed Indexes</a:t>
+            </a:r>
+          </a:p>
+          <a:p>
+            <a:pPr marL="342900" indent="-342900">
+              <a:buFont typeface="+mj-lt"/>
+              <a:buAutoNum type="arabicPeriod"/>
+            </a:pPr>
+            <a:endParaRPr lang="en-US" b="1" dirty="0"/>
+          </a:p>
+        </p:txBody>
+      </p:sp>
     </p:spTree>
     <p:extLst>
       <p:ext uri="{BB962C8B-B14F-4D97-AF65-F5344CB8AC3E}">

--- a/UmaTeachingMaterial/MongoDB-Intellipaat-StudyMaterial.pptx
+++ b/UmaTeachingMaterial/MongoDB-Intellipaat-StudyMaterial.pptx
@@ -346,7 +346,7 @@
           <a:p>
             <a:fld id="{2D1FB5FC-1629-4A0D-9573-785FAC7ED015}" type="datetimeFigureOut">
               <a:rPr lang="en-US" smtClean="0"/>
-              <a:t>2/21/2026</a:t>
+              <a:t>2/22/2026</a:t>
             </a:fld>
             <a:endParaRPr lang="en-US"/>
           </a:p>
@@ -516,7 +516,7 @@
           <a:p>
             <a:fld id="{2D1FB5FC-1629-4A0D-9573-785FAC7ED015}" type="datetimeFigureOut">
               <a:rPr lang="en-US" smtClean="0"/>
-              <a:t>2/21/2026</a:t>
+              <a:t>2/22/2026</a:t>
             </a:fld>
             <a:endParaRPr lang="en-US"/>
           </a:p>
@@ -696,7 +696,7 @@
           <a:p>
             <a:fld id="{2D1FB5FC-1629-4A0D-9573-785FAC7ED015}" type="datetimeFigureOut">
               <a:rPr lang="en-US" smtClean="0"/>
-              <a:t>2/21/2026</a:t>
+              <a:t>2/22/2026</a:t>
             </a:fld>
             <a:endParaRPr lang="en-US"/>
           </a:p>
@@ -866,7 +866,7 @@
           <a:p>
             <a:fld id="{2D1FB5FC-1629-4A0D-9573-785FAC7ED015}" type="datetimeFigureOut">
               <a:rPr lang="en-US" smtClean="0"/>
-              <a:t>2/21/2026</a:t>
+              <a:t>2/22/2026</a:t>
             </a:fld>
             <a:endParaRPr lang="en-US"/>
           </a:p>
@@ -1112,7 +1112,7 @@
           <a:p>
             <a:fld id="{2D1FB5FC-1629-4A0D-9573-785FAC7ED015}" type="datetimeFigureOut">
               <a:rPr lang="en-US" smtClean="0"/>
-              <a:t>2/21/2026</a:t>
+              <a:t>2/22/2026</a:t>
             </a:fld>
             <a:endParaRPr lang="en-US"/>
           </a:p>
@@ -1344,7 +1344,7 @@
           <a:p>
             <a:fld id="{2D1FB5FC-1629-4A0D-9573-785FAC7ED015}" type="datetimeFigureOut">
               <a:rPr lang="en-US" smtClean="0"/>
-              <a:t>2/21/2026</a:t>
+              <a:t>2/22/2026</a:t>
             </a:fld>
             <a:endParaRPr lang="en-US"/>
           </a:p>
@@ -1711,7 +1711,7 @@
           <a:p>
             <a:fld id="{2D1FB5FC-1629-4A0D-9573-785FAC7ED015}" type="datetimeFigureOut">
               <a:rPr lang="en-US" smtClean="0"/>
-              <a:t>2/21/2026</a:t>
+              <a:t>2/22/2026</a:t>
             </a:fld>
             <a:endParaRPr lang="en-US"/>
           </a:p>
@@ -1829,7 +1829,7 @@
           <a:p>
             <a:fld id="{2D1FB5FC-1629-4A0D-9573-785FAC7ED015}" type="datetimeFigureOut">
               <a:rPr lang="en-US" smtClean="0"/>
-              <a:t>2/21/2026</a:t>
+              <a:t>2/22/2026</a:t>
             </a:fld>
             <a:endParaRPr lang="en-US"/>
           </a:p>
@@ -1924,7 +1924,7 @@
           <a:p>
             <a:fld id="{2D1FB5FC-1629-4A0D-9573-785FAC7ED015}" type="datetimeFigureOut">
               <a:rPr lang="en-US" smtClean="0"/>
-              <a:t>2/21/2026</a:t>
+              <a:t>2/22/2026</a:t>
             </a:fld>
             <a:endParaRPr lang="en-US"/>
           </a:p>
@@ -2201,7 +2201,7 @@
           <a:p>
             <a:fld id="{2D1FB5FC-1629-4A0D-9573-785FAC7ED015}" type="datetimeFigureOut">
               <a:rPr lang="en-US" smtClean="0"/>
-              <a:t>2/21/2026</a:t>
+              <a:t>2/22/2026</a:t>
             </a:fld>
             <a:endParaRPr lang="en-US"/>
           </a:p>
@@ -2458,7 +2458,7 @@
           <a:p>
             <a:fld id="{2D1FB5FC-1629-4A0D-9573-785FAC7ED015}" type="datetimeFigureOut">
               <a:rPr lang="en-US" smtClean="0"/>
-              <a:t>2/21/2026</a:t>
+              <a:t>2/22/2026</a:t>
             </a:fld>
             <a:endParaRPr lang="en-US"/>
           </a:p>
@@ -2671,7 +2671,7 @@
           <a:p>
             <a:fld id="{2D1FB5FC-1629-4A0D-9573-785FAC7ED015}" type="datetimeFigureOut">
               <a:rPr lang="en-US" smtClean="0"/>
-              <a:t>2/21/2026</a:t>
+              <a:t>2/22/2026</a:t>
             </a:fld>
             <a:endParaRPr lang="en-US"/>
           </a:p>
